--- a/Slides.pptx
+++ b/Slides.pptx
@@ -4831,7 +4831,7 @@
         <p:spPr>
           <a:xfrm>
             <a:off x="155575" y="685800"/>
-            <a:ext cx="6546900" cy="3429000"/>
+            <a:ext cx="6546850" cy="3429000"/>
           </a:xfrm>
           <a:custGeom>
             <a:avLst/>
@@ -13529,7 +13529,7 @@
         </p:nvSpPr>
         <p:spPr>
           <a:xfrm>
-            <a:off x="1131995" y="3307387"/>
+            <a:off x="1131995" y="2882711"/>
             <a:ext cx="11401892" cy="1372800"/>
           </a:xfrm>
           <a:prstGeom prst="rect">
@@ -13564,7 +13564,7 @@
               <a:buNone/>
             </a:pPr>
             <a:r>
-              <a:rPr lang="es-MX" sz="6500" b="1" i="0" u="none" strike="noStrike" cap="none">
+              <a:rPr lang="es-MX" sz="6600" b="0" i="0" u="none" strike="noStrike" cap="none" dirty="0">
                 <a:solidFill>
                   <a:schemeClr val="lt1"/>
                 </a:solidFill>
@@ -13573,9 +13573,21 @@
                 <a:cs typeface="Montserrat"/>
                 <a:sym typeface="Montserrat"/>
               </a:rPr>
-              <a:t>Título de presentación</a:t>
+              <a:t>Modelo de Predicción con Machine </a:t>
             </a:r>
-            <a:endParaRPr sz="6500" b="1" i="0" u="none" strike="noStrike" cap="none">
+            <a:r>
+              <a:rPr lang="es-MX" sz="6600" b="0" i="0" u="none" strike="noStrike" cap="none" dirty="0" err="1">
+                <a:solidFill>
+                  <a:schemeClr val="lt1"/>
+                </a:solidFill>
+                <a:latin typeface="Montserrat"/>
+                <a:ea typeface="Montserrat"/>
+                <a:cs typeface="Montserrat"/>
+                <a:sym typeface="Montserrat"/>
+              </a:rPr>
+              <a:t>Learning</a:t>
+            </a:r>
+            <a:endParaRPr sz="6600" b="1" i="0" u="none" strike="noStrike" cap="none" dirty="0">
               <a:solidFill>
                 <a:schemeClr val="lt1"/>
               </a:solidFill>
@@ -13595,8 +13607,8 @@
         </p:nvSpPr>
         <p:spPr>
           <a:xfrm>
-            <a:off x="1109172" y="4680169"/>
-            <a:ext cx="6485100" cy="792300"/>
+            <a:off x="1109171" y="4680169"/>
+            <a:ext cx="8844477" cy="792300"/>
           </a:xfrm>
           <a:prstGeom prst="rect">
             <a:avLst/>
@@ -13630,7 +13642,7 @@
               <a:buNone/>
             </a:pPr>
             <a:r>
-              <a:rPr lang="es-MX" sz="3200" b="0" i="0" u="none" strike="noStrike" cap="none">
+              <a:rPr lang="es-MX" sz="3200" b="0" i="0" u="none" strike="noStrike" cap="none" dirty="0">
                 <a:solidFill>
                   <a:schemeClr val="lt1"/>
                 </a:solidFill>
@@ -13639,9 +13651,21 @@
                 <a:cs typeface="Montserrat"/>
                 <a:sym typeface="Montserrat"/>
               </a:rPr>
-              <a:t>Subtítulo</a:t>
+              <a:t>Demanda de servicio de bicicletas en Seúl </a:t>
             </a:r>
-            <a:endParaRPr sz="3200" b="0" i="0" u="none" strike="noStrike" cap="none">
+            <a:r>
+              <a:rPr lang="es-MX" sz="3200" b="0" i="0" u="none" strike="noStrike" cap="none" dirty="0" err="1">
+                <a:solidFill>
+                  <a:schemeClr val="lt1"/>
+                </a:solidFill>
+                <a:latin typeface="Montserrat"/>
+                <a:ea typeface="Montserrat"/>
+                <a:cs typeface="Montserrat"/>
+                <a:sym typeface="Montserrat"/>
+              </a:rPr>
+              <a:t>Korea</a:t>
+            </a:r>
+            <a:endParaRPr sz="3200" b="0" i="0" u="none" strike="noStrike" cap="none" dirty="0">
               <a:solidFill>
                 <a:schemeClr val="lt1"/>
               </a:solidFill>
@@ -13653,98 +13677,6 @@
           </a:p>
         </p:txBody>
       </p:sp>
-      <p:cxnSp>
-        <p:nvCxnSpPr>
-          <p:cNvPr id="71" name="Google Shape;71;p14"/>
-          <p:cNvCxnSpPr/>
-          <p:nvPr/>
-        </p:nvCxnSpPr>
-        <p:spPr>
-          <a:xfrm>
-            <a:off x="5655525" y="4722365"/>
-            <a:ext cx="1906200" cy="0"/>
-          </a:xfrm>
-          <a:prstGeom prst="straightConnector1">
-            <a:avLst/>
-          </a:prstGeom>
-          <a:noFill/>
-          <a:ln w="28575" cap="flat" cmpd="sng">
-            <a:solidFill>
-              <a:srgbClr val="182227"/>
-            </a:solidFill>
-            <a:prstDash val="solid"/>
-            <a:round/>
-            <a:headEnd type="none" w="sm" len="sm"/>
-            <a:tailEnd type="none" w="sm" len="sm"/>
-          </a:ln>
-        </p:spPr>
-      </p:cxnSp>
-      <p:sp>
-        <p:nvSpPr>
-          <p:cNvPr id="72" name="Google Shape;72;p14"/>
-          <p:cNvSpPr txBox="1"/>
-          <p:nvPr/>
-        </p:nvSpPr>
-        <p:spPr>
-          <a:xfrm>
-            <a:off x="1138749" y="2599684"/>
-            <a:ext cx="8814900" cy="707700"/>
-          </a:xfrm>
-          <a:prstGeom prst="rect">
-            <a:avLst/>
-          </a:prstGeom>
-          <a:noFill/>
-          <a:ln>
-            <a:noFill/>
-          </a:ln>
-        </p:spPr>
-        <p:txBody>
-          <a:bodyPr spcFirstLastPara="1" wrap="square" lIns="147725" tIns="147725" rIns="147725" bIns="147725" anchor="t" anchorCtr="0">
-            <a:noAutofit/>
-          </a:bodyPr>
-          <a:lstStyle/>
-          <a:p>
-            <a:pPr marL="0" marR="0" lvl="0" indent="0" algn="l" rtl="0">
-              <a:lnSpc>
-                <a:spcPct val="100000"/>
-              </a:lnSpc>
-              <a:spcBef>
-                <a:spcPts val="0"/>
-              </a:spcBef>
-              <a:spcAft>
-                <a:spcPts val="0"/>
-              </a:spcAft>
-              <a:buClr>
-                <a:srgbClr val="000000"/>
-              </a:buClr>
-              <a:buSzPts val="2900"/>
-              <a:buFont typeface="Arial"/>
-              <a:buNone/>
-            </a:pPr>
-            <a:r>
-              <a:rPr lang="es-MX" sz="2900" b="0" i="0" u="none" strike="noStrike" cap="none">
-                <a:solidFill>
-                  <a:schemeClr val="lt1"/>
-                </a:solidFill>
-                <a:latin typeface="Montserrat SemiBold"/>
-                <a:ea typeface="Montserrat SemiBold"/>
-                <a:cs typeface="Montserrat SemiBold"/>
-                <a:sym typeface="Montserrat SemiBold"/>
-              </a:rPr>
-              <a:t>Módulo: Nombre de módulo</a:t>
-            </a:r>
-            <a:endParaRPr sz="2900" b="0" i="0" u="none" strike="noStrike" cap="none">
-              <a:solidFill>
-                <a:schemeClr val="lt1"/>
-              </a:solidFill>
-              <a:latin typeface="Montserrat SemiBold"/>
-              <a:ea typeface="Montserrat SemiBold"/>
-              <a:cs typeface="Montserrat SemiBold"/>
-              <a:sym typeface="Montserrat SemiBold"/>
-            </a:endParaRPr>
-          </a:p>
-        </p:txBody>
-      </p:sp>
       <p:pic>
         <p:nvPicPr>
           <p:cNvPr id="73" name="Google Shape;73;p14"/>
@@ -13802,13 +13734,15 @@
       <p:cxnSp>
         <p:nvCxnSpPr>
           <p:cNvPr id="75" name="Google Shape;75;p14"/>
-          <p:cNvCxnSpPr/>
+          <p:cNvCxnSpPr>
+            <a:cxnSpLocks/>
+          </p:cNvCxnSpPr>
           <p:nvPr/>
         </p:nvCxnSpPr>
         <p:spPr>
           <a:xfrm>
             <a:off x="1298678" y="4648152"/>
-            <a:ext cx="2896804" cy="0"/>
+            <a:ext cx="7433198" cy="0"/>
           </a:xfrm>
           <a:prstGeom prst="straightConnector1">
             <a:avLst/>
@@ -24120,7 +24054,7 @@
               <a:buNone/>
             </a:pPr>
             <a:r>
-              <a:rPr lang="es-MX" sz="2600">
+              <a:rPr lang="es-MX" sz="2600" dirty="0">
                 <a:solidFill>
                   <a:srgbClr val="2B303C"/>
                 </a:solidFill>
@@ -24131,8 +24065,36 @@
               </a:rPr>
               <a:t>Objetivo:</a:t>
             </a:r>
+            <a:endParaRPr lang="es-MX" sz="2600" b="1" dirty="0">
+              <a:solidFill>
+                <a:srgbClr val="2B303C"/>
+              </a:solidFill>
+              <a:latin typeface="Montserrat"/>
+              <a:ea typeface="Montserrat SemiBold"/>
+              <a:cs typeface="Montserrat SemiBold"/>
+              <a:sym typeface="Montserrat"/>
+            </a:endParaRPr>
+          </a:p>
+          <a:p>
+            <a:pPr marL="0" marR="0" lvl="0" indent="0" algn="l" rtl="0">
+              <a:lnSpc>
+                <a:spcPct val="100000"/>
+              </a:lnSpc>
+              <a:spcBef>
+                <a:spcPts val="0"/>
+              </a:spcBef>
+              <a:spcAft>
+                <a:spcPts val="0"/>
+              </a:spcAft>
+              <a:buClr>
+                <a:srgbClr val="000000"/>
+              </a:buClr>
+              <a:buSzPts val="2600"/>
+              <a:buFont typeface="Arial"/>
+              <a:buNone/>
+            </a:pPr>
             <a:r>
-              <a:rPr lang="es-MX" sz="2600" b="1">
+              <a:rPr lang="es-MX" sz="2600" dirty="0">
                 <a:solidFill>
                   <a:srgbClr val="2B303C"/>
                 </a:solidFill>
@@ -24141,78 +24103,10 @@
                 <a:cs typeface="Montserrat"/>
                 <a:sym typeface="Montserrat"/>
               </a:rPr>
-              <a:t> Transmite el valor de tu idea/proyecto en menos de 30 segundos.</a:t>
+              <a:t>El proyecto consiste en analizar un </a:t>
             </a:r>
-            <a:endParaRPr sz="2600" b="1" i="0" u="none" strike="noStrike" cap="none">
-              <a:solidFill>
-                <a:srgbClr val="2B303C"/>
-              </a:solidFill>
-              <a:latin typeface="Montserrat"/>
-              <a:ea typeface="Montserrat"/>
-              <a:cs typeface="Montserrat"/>
-              <a:sym typeface="Montserrat"/>
-            </a:endParaRPr>
-          </a:p>
-          <a:p>
-            <a:pPr marL="0" marR="0" lvl="0" indent="0" algn="l" rtl="0">
-              <a:lnSpc>
-                <a:spcPct val="100000"/>
-              </a:lnSpc>
-              <a:spcBef>
-                <a:spcPts val="0"/>
-              </a:spcBef>
-              <a:spcAft>
-                <a:spcPts val="0"/>
-              </a:spcAft>
-              <a:buClr>
-                <a:srgbClr val="000000"/>
-              </a:buClr>
-              <a:buSzPts val="2600"/>
-              <a:buFont typeface="Arial"/>
-              <a:buNone/>
-            </a:pPr>
             <a:r>
-              <a:rPr lang="es-MX" sz="2600" b="0" i="0" u="none" strike="noStrike" cap="none">
-                <a:solidFill>
-                  <a:srgbClr val="2B303C"/>
-                </a:solidFill>
-                <a:latin typeface="Montserrat SemiBold"/>
-                <a:ea typeface="Montserrat SemiBold"/>
-                <a:cs typeface="Montserrat SemiBold"/>
-                <a:sym typeface="Montserrat SemiBold"/>
-              </a:rPr>
-              <a:t> </a:t>
-            </a:r>
-            <a:endParaRPr sz="2600" b="0" i="0" u="none" strike="noStrike" cap="none">
-              <a:solidFill>
-                <a:srgbClr val="2B303C"/>
-              </a:solidFill>
-              <a:latin typeface="Montserrat SemiBold"/>
-              <a:ea typeface="Montserrat SemiBold"/>
-              <a:cs typeface="Montserrat SemiBold"/>
-              <a:sym typeface="Montserrat SemiBold"/>
-            </a:endParaRPr>
-          </a:p>
-          <a:p>
-            <a:pPr marL="0" marR="0" lvl="0" indent="0" algn="l" rtl="0">
-              <a:lnSpc>
-                <a:spcPct val="100000"/>
-              </a:lnSpc>
-              <a:spcBef>
-                <a:spcPts val="0"/>
-              </a:spcBef>
-              <a:spcAft>
-                <a:spcPts val="0"/>
-              </a:spcAft>
-              <a:buClr>
-                <a:srgbClr val="000000"/>
-              </a:buClr>
-              <a:buSzPts val="2600"/>
-              <a:buFont typeface="Arial"/>
-              <a:buNone/>
-            </a:pPr>
-            <a:r>
-              <a:rPr lang="es-MX" sz="2600">
+              <a:rPr lang="es-MX" sz="2600" dirty="0" err="1">
                 <a:solidFill>
                   <a:srgbClr val="2B303C"/>
                 </a:solidFill>
@@ -24221,38 +24115,10 @@
                 <a:cs typeface="Montserrat"/>
                 <a:sym typeface="Montserrat"/>
               </a:rPr>
-              <a:t>Por ejemplo:</a:t>
+              <a:t>dataset</a:t>
             </a:r>
-            <a:endParaRPr sz="2600">
-              <a:solidFill>
-                <a:srgbClr val="2B303C"/>
-              </a:solidFill>
-              <a:latin typeface="Montserrat"/>
-              <a:ea typeface="Montserrat"/>
-              <a:cs typeface="Montserrat"/>
-              <a:sym typeface="Montserrat"/>
-            </a:endParaRPr>
-          </a:p>
-          <a:p>
-            <a:pPr marL="457200" marR="0" lvl="0" indent="-393700" algn="l" rtl="0">
-              <a:lnSpc>
-                <a:spcPct val="100000"/>
-              </a:lnSpc>
-              <a:spcBef>
-                <a:spcPts val="0"/>
-              </a:spcBef>
-              <a:spcAft>
-                <a:spcPts val="0"/>
-              </a:spcAft>
-              <a:buClr>
-                <a:srgbClr val="2B303C"/>
-              </a:buClr>
-              <a:buSzPts val="2600"/>
-              <a:buFont typeface="Montserrat"/>
-              <a:buChar char="●"/>
-            </a:pPr>
             <a:r>
-              <a:rPr lang="es-MX" sz="2600">
+              <a:rPr lang="es-MX" sz="2600" dirty="0">
                 <a:solidFill>
                   <a:srgbClr val="2B303C"/>
                 </a:solidFill>
@@ -24261,9 +24127,33 @@
                 <a:cs typeface="Montserrat"/>
                 <a:sym typeface="Montserrat"/>
               </a:rPr>
-              <a:t>Una plataforma web donde los usuarios pueden rentar una habitación para sus vacaciones, viajes u hospedaje.</a:t>
+              <a:t> de condiciones climáticas de la ciudad de Seúl, </a:t>
             </a:r>
-            <a:endParaRPr sz="2600">
+            <a:r>
+              <a:rPr lang="es-MX" sz="2600" dirty="0" err="1">
+                <a:solidFill>
+                  <a:srgbClr val="2B303C"/>
+                </a:solidFill>
+                <a:latin typeface="Montserrat"/>
+                <a:ea typeface="Montserrat"/>
+                <a:cs typeface="Montserrat"/>
+                <a:sym typeface="Montserrat"/>
+              </a:rPr>
+              <a:t>Korea</a:t>
+            </a:r>
+            <a:r>
+              <a:rPr lang="es-MX" sz="2600" dirty="0">
+                <a:solidFill>
+                  <a:srgbClr val="2B303C"/>
+                </a:solidFill>
+                <a:latin typeface="Montserrat"/>
+                <a:ea typeface="Montserrat"/>
+                <a:cs typeface="Montserrat"/>
+                <a:sym typeface="Montserrat"/>
+              </a:rPr>
+              <a:t>, y comparar estos datos por hora con la cantidad de bicicletas públicas rentadas, con el objetivo de crear el mejor modelo posible de predicción de demanda</a:t>
+            </a:r>
+            <a:endParaRPr sz="2600" dirty="0">
               <a:solidFill>
                 <a:srgbClr val="2B303C"/>
               </a:solidFill>
